--- a/C++ 1주차.pptx
+++ b/C++ 1주차.pptx
@@ -290,7 +290,7 @@
           <a:p>
             <a:fld id="{082E6E0C-A4CB-4B23-920D-6A22274570F3}" type="datetimeFigureOut">
               <a:rPr lang="ko-KR" altLang="en-US" smtClean="0"/>
-              <a:t>2021-04-05</a:t>
+              <a:t>2021-04-30</a:t>
             </a:fld>
             <a:endParaRPr lang="ko-KR" altLang="en-US"/>
           </a:p>
@@ -488,7 +488,7 @@
           <a:p>
             <a:fld id="{082E6E0C-A4CB-4B23-920D-6A22274570F3}" type="datetimeFigureOut">
               <a:rPr lang="ko-KR" altLang="en-US" smtClean="0"/>
-              <a:t>2021-04-05</a:t>
+              <a:t>2021-04-30</a:t>
             </a:fld>
             <a:endParaRPr lang="ko-KR" altLang="en-US"/>
           </a:p>
@@ -696,7 +696,7 @@
           <a:p>
             <a:fld id="{082E6E0C-A4CB-4B23-920D-6A22274570F3}" type="datetimeFigureOut">
               <a:rPr lang="ko-KR" altLang="en-US" smtClean="0"/>
-              <a:t>2021-04-05</a:t>
+              <a:t>2021-04-30</a:t>
             </a:fld>
             <a:endParaRPr lang="ko-KR" altLang="en-US"/>
           </a:p>
@@ -894,7 +894,7 @@
           <a:p>
             <a:fld id="{082E6E0C-A4CB-4B23-920D-6A22274570F3}" type="datetimeFigureOut">
               <a:rPr lang="ko-KR" altLang="en-US" smtClean="0"/>
-              <a:t>2021-04-05</a:t>
+              <a:t>2021-04-30</a:t>
             </a:fld>
             <a:endParaRPr lang="ko-KR" altLang="en-US"/>
           </a:p>
@@ -1169,7 +1169,7 @@
           <a:p>
             <a:fld id="{082E6E0C-A4CB-4B23-920D-6A22274570F3}" type="datetimeFigureOut">
               <a:rPr lang="ko-KR" altLang="en-US" smtClean="0"/>
-              <a:t>2021-04-05</a:t>
+              <a:t>2021-04-30</a:t>
             </a:fld>
             <a:endParaRPr lang="ko-KR" altLang="en-US"/>
           </a:p>
@@ -1434,7 +1434,7 @@
           <a:p>
             <a:fld id="{082E6E0C-A4CB-4B23-920D-6A22274570F3}" type="datetimeFigureOut">
               <a:rPr lang="ko-KR" altLang="en-US" smtClean="0"/>
-              <a:t>2021-04-05</a:t>
+              <a:t>2021-04-30</a:t>
             </a:fld>
             <a:endParaRPr lang="ko-KR" altLang="en-US"/>
           </a:p>
@@ -1846,7 +1846,7 @@
           <a:p>
             <a:fld id="{082E6E0C-A4CB-4B23-920D-6A22274570F3}" type="datetimeFigureOut">
               <a:rPr lang="ko-KR" altLang="en-US" smtClean="0"/>
-              <a:t>2021-04-05</a:t>
+              <a:t>2021-04-30</a:t>
             </a:fld>
             <a:endParaRPr lang="ko-KR" altLang="en-US"/>
           </a:p>
@@ -1987,7 +1987,7 @@
           <a:p>
             <a:fld id="{082E6E0C-A4CB-4B23-920D-6A22274570F3}" type="datetimeFigureOut">
               <a:rPr lang="ko-KR" altLang="en-US" smtClean="0"/>
-              <a:t>2021-04-05</a:t>
+              <a:t>2021-04-30</a:t>
             </a:fld>
             <a:endParaRPr lang="ko-KR" altLang="en-US"/>
           </a:p>
@@ -2100,7 +2100,7 @@
           <a:p>
             <a:fld id="{082E6E0C-A4CB-4B23-920D-6A22274570F3}" type="datetimeFigureOut">
               <a:rPr lang="ko-KR" altLang="en-US" smtClean="0"/>
-              <a:t>2021-04-05</a:t>
+              <a:t>2021-04-30</a:t>
             </a:fld>
             <a:endParaRPr lang="ko-KR" altLang="en-US"/>
           </a:p>
@@ -2411,7 +2411,7 @@
           <a:p>
             <a:fld id="{082E6E0C-A4CB-4B23-920D-6A22274570F3}" type="datetimeFigureOut">
               <a:rPr lang="ko-KR" altLang="en-US" smtClean="0"/>
-              <a:t>2021-04-05</a:t>
+              <a:t>2021-04-30</a:t>
             </a:fld>
             <a:endParaRPr lang="ko-KR" altLang="en-US"/>
           </a:p>
@@ -2699,7 +2699,7 @@
           <a:p>
             <a:fld id="{082E6E0C-A4CB-4B23-920D-6A22274570F3}" type="datetimeFigureOut">
               <a:rPr lang="ko-KR" altLang="en-US" smtClean="0"/>
-              <a:t>2021-04-05</a:t>
+              <a:t>2021-04-30</a:t>
             </a:fld>
             <a:endParaRPr lang="ko-KR" altLang="en-US"/>
           </a:p>
@@ -2940,7 +2940,7 @@
           <a:p>
             <a:fld id="{082E6E0C-A4CB-4B23-920D-6A22274570F3}" type="datetimeFigureOut">
               <a:rPr lang="ko-KR" altLang="en-US" smtClean="0"/>
-              <a:t>2021-04-05</a:t>
+              <a:t>2021-04-30</a:t>
             </a:fld>
             <a:endParaRPr lang="ko-KR" altLang="en-US"/>
           </a:p>
@@ -8291,6 +8291,15 @@
 </file>
 
 <file path=customXml/item2.xml><?xml version="1.0" encoding="utf-8"?>
+<?mso-contentType ?>
+<FormTemplates xmlns="http://schemas.microsoft.com/sharepoint/v3/contenttype/forms">
+  <Display>DocumentLibraryForm</Display>
+  <Edit>DocumentLibraryForm</Edit>
+  <New>DocumentLibraryForm</New>
+</FormTemplates>
+</file>
+
+<file path=customXml/item3.xml><?xml version="1.0" encoding="utf-8"?>
 <ct:contentTypeSchema xmlns:ct="http://schemas.microsoft.com/office/2006/metadata/contentType" xmlns:ma="http://schemas.microsoft.com/office/2006/metadata/properties/metaAttributes" ct:_="" ma:_="" ma:contentTypeName="문서" ma:contentTypeID="0x010100BD9FAE84F91CBA4C9412A8A96C8E5406" ma:contentTypeVersion="2" ma:contentTypeDescription="새 문서를 만듭니다." ma:contentTypeScope="" ma:versionID="59b40ade1eb8a783f102fcaccf24d213">
   <xsd:schema xmlns:xsd="http://www.w3.org/2001/XMLSchema" xmlns:xs="http://www.w3.org/2001/XMLSchema" xmlns:p="http://schemas.microsoft.com/office/2006/metadata/properties" xmlns:ns3="777553a3-fc78-43c6-a8b0-2ccf46c6d693" targetNamespace="http://schemas.microsoft.com/office/2006/metadata/properties" ma:root="true" ma:fieldsID="1e7191afd27aed6239d10e0778a1763d" ns3:_="">
     <xsd:import namespace="777553a3-fc78-43c6-a8b0-2ccf46c6d693"/>
@@ -8422,15 +8431,6 @@
 </ct:contentTypeSchema>
 </file>
 
-<file path=customXml/item3.xml><?xml version="1.0" encoding="utf-8"?>
-<?mso-contentType ?>
-<FormTemplates xmlns="http://schemas.microsoft.com/sharepoint/v3/contenttype/forms">
-  <Display>DocumentLibraryForm</Display>
-  <Edit>DocumentLibraryForm</Edit>
-  <New>DocumentLibraryForm</New>
-</FormTemplates>
-</file>
-
 <file path=customXml/itemProps1.xml><?xml version="1.0" encoding="utf-8"?>
 <ds:datastoreItem xmlns:ds="http://schemas.openxmlformats.org/officeDocument/2006/customXml" ds:itemID="{D1DA4B1B-3FD5-4A90-AA4C-35EE3AFAF6C1}">
   <ds:schemaRefs>
@@ -8441,6 +8441,14 @@
 </file>
 
 <file path=customXml/itemProps2.xml><?xml version="1.0" encoding="utf-8"?>
+<ds:datastoreItem xmlns:ds="http://schemas.openxmlformats.org/officeDocument/2006/customXml" ds:itemID="{1699AFB8-EEB3-4972-AC62-6AC25AAD1457}">
+  <ds:schemaRefs>
+    <ds:schemaRef ds:uri="http://schemas.microsoft.com/sharepoint/v3/contenttype/forms"/>
+  </ds:schemaRefs>
+</ds:datastoreItem>
+</file>
+
+<file path=customXml/itemProps3.xml><?xml version="1.0" encoding="utf-8"?>
 <ds:datastoreItem xmlns:ds="http://schemas.openxmlformats.org/officeDocument/2006/customXml" ds:itemID="{F56F0FDA-1E64-4946-8E10-876EDCA01A07}">
   <ds:schemaRefs>
     <ds:schemaRef ds:uri="http://schemas.microsoft.com/office/2006/metadata/contentType"/>
@@ -8456,12 +8464,4 @@
     <ds:schemaRef ds:uri="http://schemas.microsoft.com/internal/obd"/>
   </ds:schemaRefs>
 </ds:datastoreItem>
-</file>
-
-<file path=customXml/itemProps3.xml><?xml version="1.0" encoding="utf-8"?>
-<ds:datastoreItem xmlns:ds="http://schemas.openxmlformats.org/officeDocument/2006/customXml" ds:itemID="{1699AFB8-EEB3-4972-AC62-6AC25AAD1457}">
-  <ds:schemaRefs>
-    <ds:schemaRef ds:uri="http://schemas.microsoft.com/sharepoint/v3/contenttype/forms"/>
-  </ds:schemaRefs>
-</ds:datastoreItem>
 </file>